--- a/manga-bookmark.pptx
+++ b/manga-bookmark.pptx
@@ -7,10 +7,11 @@
   <p:sldIdLst>
     <p:sldId id="256" r:id="rId2"/>
     <p:sldId id="257" r:id="rId3"/>
-    <p:sldId id="261" r:id="rId4"/>
-    <p:sldId id="259" r:id="rId5"/>
-    <p:sldId id="258" r:id="rId6"/>
-    <p:sldId id="260" r:id="rId7"/>
+    <p:sldId id="259" r:id="rId4"/>
+    <p:sldId id="261" r:id="rId5"/>
+    <p:sldId id="262" r:id="rId6"/>
+    <p:sldId id="258" r:id="rId7"/>
+    <p:sldId id="260" r:id="rId8"/>
   </p:sldIdLst>
   <p:sldSz cx="12192000" cy="6858000"/>
   <p:notesSz cx="6858000" cy="9144000"/>
@@ -256,7 +257,7 @@
           <a:p>
             <a:fld id="{AE004576-E599-4C25-B3EF-B5E57907F62E}" type="datetimeFigureOut">
               <a:rPr lang="zh-TW" altLang="en-US" smtClean="0"/>
-              <a:t>2019/12/15</a:t>
+              <a:t>2019/12/27</a:t>
             </a:fld>
             <a:endParaRPr lang="zh-TW" altLang="en-US"/>
           </a:p>
@@ -467,7 +468,7 @@
           <a:p>
             <a:fld id="{AE004576-E599-4C25-B3EF-B5E57907F62E}" type="datetimeFigureOut">
               <a:rPr lang="zh-TW" altLang="en-US" smtClean="0"/>
-              <a:t>2019/12/15</a:t>
+              <a:t>2019/12/27</a:t>
             </a:fld>
             <a:endParaRPr lang="zh-TW" altLang="en-US"/>
           </a:p>
@@ -682,7 +683,7 @@
           <a:p>
             <a:fld id="{AE004576-E599-4C25-B3EF-B5E57907F62E}" type="datetimeFigureOut">
               <a:rPr lang="zh-TW" altLang="en-US" smtClean="0"/>
-              <a:t>2019/12/15</a:t>
+              <a:t>2019/12/27</a:t>
             </a:fld>
             <a:endParaRPr lang="zh-TW" altLang="en-US"/>
           </a:p>
@@ -883,7 +884,7 @@
           <a:p>
             <a:fld id="{AE004576-E599-4C25-B3EF-B5E57907F62E}" type="datetimeFigureOut">
               <a:rPr lang="zh-TW" altLang="en-US" smtClean="0"/>
-              <a:t>2019/12/15</a:t>
+              <a:t>2019/12/27</a:t>
             </a:fld>
             <a:endParaRPr lang="zh-TW" altLang="en-US"/>
           </a:p>
@@ -1162,7 +1163,7 @@
           <a:p>
             <a:fld id="{AE004576-E599-4C25-B3EF-B5E57907F62E}" type="datetimeFigureOut">
               <a:rPr lang="zh-TW" altLang="en-US" smtClean="0"/>
-              <a:t>2019/12/15</a:t>
+              <a:t>2019/12/27</a:t>
             </a:fld>
             <a:endParaRPr lang="zh-TW" altLang="en-US"/>
           </a:p>
@@ -1430,7 +1431,7 @@
           <a:p>
             <a:fld id="{AE004576-E599-4C25-B3EF-B5E57907F62E}" type="datetimeFigureOut">
               <a:rPr lang="zh-TW" altLang="en-US" smtClean="0"/>
-              <a:t>2019/12/15</a:t>
+              <a:t>2019/12/27</a:t>
             </a:fld>
             <a:endParaRPr lang="zh-TW" altLang="en-US"/>
           </a:p>
@@ -1846,7 +1847,7 @@
           <a:p>
             <a:fld id="{AE004576-E599-4C25-B3EF-B5E57907F62E}" type="datetimeFigureOut">
               <a:rPr lang="zh-TW" altLang="en-US" smtClean="0"/>
-              <a:t>2019/12/15</a:t>
+              <a:t>2019/12/27</a:t>
             </a:fld>
             <a:endParaRPr lang="zh-TW" altLang="en-US"/>
           </a:p>
@@ -1995,7 +1996,7 @@
           <a:p>
             <a:fld id="{AE004576-E599-4C25-B3EF-B5E57907F62E}" type="datetimeFigureOut">
               <a:rPr lang="zh-TW" altLang="en-US" smtClean="0"/>
-              <a:t>2019/12/15</a:t>
+              <a:t>2019/12/27</a:t>
             </a:fld>
             <a:endParaRPr lang="zh-TW" altLang="en-US"/>
           </a:p>
@@ -2121,7 +2122,7 @@
           <a:p>
             <a:fld id="{AE004576-E599-4C25-B3EF-B5E57907F62E}" type="datetimeFigureOut">
               <a:rPr lang="zh-TW" altLang="en-US" smtClean="0"/>
-              <a:t>2019/12/15</a:t>
+              <a:t>2019/12/27</a:t>
             </a:fld>
             <a:endParaRPr lang="zh-TW" altLang="en-US"/>
           </a:p>
@@ -2372,7 +2373,7 @@
           <a:p>
             <a:fld id="{AE004576-E599-4C25-B3EF-B5E57907F62E}" type="datetimeFigureOut">
               <a:rPr lang="zh-TW" altLang="en-US" smtClean="0"/>
-              <a:t>2019/12/15</a:t>
+              <a:t>2019/12/27</a:t>
             </a:fld>
             <a:endParaRPr lang="zh-TW" altLang="en-US"/>
           </a:p>
@@ -2817,7 +2818,7 @@
           <a:p>
             <a:fld id="{AE004576-E599-4C25-B3EF-B5E57907F62E}" type="datetimeFigureOut">
               <a:rPr lang="zh-TW" altLang="en-US" smtClean="0"/>
-              <a:t>2019/12/15</a:t>
+              <a:t>2019/12/27</a:t>
             </a:fld>
             <a:endParaRPr lang="zh-TW" altLang="en-US"/>
           </a:p>
@@ -3143,7 +3144,7 @@
           <a:p>
             <a:fld id="{AE004576-E599-4C25-B3EF-B5E57907F62E}" type="datetimeFigureOut">
               <a:rPr lang="zh-TW" altLang="en-US" smtClean="0"/>
-              <a:t>2019/12/15</a:t>
+              <a:t>2019/12/27</a:t>
             </a:fld>
             <a:endParaRPr lang="zh-TW" altLang="en-US"/>
           </a:p>
@@ -3859,168 +3860,6 @@
           <a:chExt cx="0" cy="0"/>
         </a:xfrm>
       </p:grpSpPr>
-      <p:pic>
-        <p:nvPicPr>
-          <p:cNvPr id="2" name="圖片 1">
-            <a:extLst>
-              <a:ext uri="{FF2B5EF4-FFF2-40B4-BE49-F238E27FC236}">
-                <a16:creationId xmlns:a16="http://schemas.microsoft.com/office/drawing/2014/main" id="{E26BEA37-8C4A-44F5-BDA9-733EB74C647E}"/>
-              </a:ext>
-            </a:extLst>
-          </p:cNvPr>
-          <p:cNvPicPr>
-            <a:picLocks noChangeAspect="1"/>
-          </p:cNvPicPr>
-          <p:nvPr/>
-        </p:nvPicPr>
-        <p:blipFill>
-          <a:blip r:embed="rId2"/>
-          <a:stretch>
-            <a:fillRect/>
-          </a:stretch>
-        </p:blipFill>
-        <p:spPr>
-          <a:xfrm>
-            <a:off x="520119" y="1873199"/>
-            <a:ext cx="4919676" cy="2767318"/>
-          </a:xfrm>
-          <a:prstGeom prst="rect">
-            <a:avLst/>
-          </a:prstGeom>
-        </p:spPr>
-      </p:pic>
-      <p:sp>
-        <p:nvSpPr>
-          <p:cNvPr id="3" name="文字方塊 2">
-            <a:extLst>
-              <a:ext uri="{FF2B5EF4-FFF2-40B4-BE49-F238E27FC236}">
-                <a16:creationId xmlns:a16="http://schemas.microsoft.com/office/drawing/2014/main" id="{AE539E2A-762C-4557-883D-FD4660E1BDB4}"/>
-              </a:ext>
-            </a:extLst>
-          </p:cNvPr>
-          <p:cNvSpPr txBox="1"/>
-          <p:nvPr/>
-        </p:nvSpPr>
-        <p:spPr>
-          <a:xfrm>
-            <a:off x="2061362" y="771787"/>
-            <a:ext cx="1837189" cy="584775"/>
-          </a:xfrm>
-          <a:prstGeom prst="rect">
-            <a:avLst/>
-          </a:prstGeom>
-          <a:noFill/>
-        </p:spPr>
-        <p:txBody>
-          <a:bodyPr wrap="square" rtlCol="0">
-            <a:spAutoFit/>
-          </a:bodyPr>
-          <a:lstStyle/>
-          <a:p>
-            <a:r>
-              <a:rPr lang="zh-TW" altLang="en-US" sz="3200" dirty="0"/>
-              <a:t>登入畫面</a:t>
-            </a:r>
-            <a:endParaRPr lang="en-US" altLang="zh-TW" sz="3200" dirty="0"/>
-          </a:p>
-        </p:txBody>
-      </p:sp>
-      <p:pic>
-        <p:nvPicPr>
-          <p:cNvPr id="4" name="圖片 3">
-            <a:extLst>
-              <a:ext uri="{FF2B5EF4-FFF2-40B4-BE49-F238E27FC236}">
-                <a16:creationId xmlns:a16="http://schemas.microsoft.com/office/drawing/2014/main" id="{440852F4-190B-42FE-9958-5C208A284FE0}"/>
-              </a:ext>
-            </a:extLst>
-          </p:cNvPr>
-          <p:cNvPicPr>
-            <a:picLocks noChangeAspect="1"/>
-          </p:cNvPicPr>
-          <p:nvPr/>
-        </p:nvPicPr>
-        <p:blipFill>
-          <a:blip r:embed="rId3"/>
-          <a:stretch>
-            <a:fillRect/>
-          </a:stretch>
-        </p:blipFill>
-        <p:spPr>
-          <a:xfrm>
-            <a:off x="6752207" y="1873199"/>
-            <a:ext cx="4919676" cy="2767318"/>
-          </a:xfrm>
-          <a:prstGeom prst="rect">
-            <a:avLst/>
-          </a:prstGeom>
-        </p:spPr>
-      </p:pic>
-      <p:sp>
-        <p:nvSpPr>
-          <p:cNvPr id="5" name="文字方塊 4">
-            <a:extLst>
-              <a:ext uri="{FF2B5EF4-FFF2-40B4-BE49-F238E27FC236}">
-                <a16:creationId xmlns:a16="http://schemas.microsoft.com/office/drawing/2014/main" id="{FE00CE1B-F75F-490E-97F3-A9639941B3F9}"/>
-              </a:ext>
-            </a:extLst>
-          </p:cNvPr>
-          <p:cNvSpPr txBox="1"/>
-          <p:nvPr/>
-        </p:nvSpPr>
-        <p:spPr>
-          <a:xfrm>
-            <a:off x="8498515" y="805343"/>
-            <a:ext cx="1427059" cy="584775"/>
-          </a:xfrm>
-          <a:prstGeom prst="rect">
-            <a:avLst/>
-          </a:prstGeom>
-          <a:noFill/>
-        </p:spPr>
-        <p:txBody>
-          <a:bodyPr wrap="square" rtlCol="0">
-            <a:spAutoFit/>
-          </a:bodyPr>
-          <a:lstStyle/>
-          <a:p>
-            <a:r>
-              <a:rPr lang="zh-TW" altLang="en-US" sz="3200" dirty="0"/>
-              <a:t>主畫面</a:t>
-            </a:r>
-            <a:endParaRPr lang="en-US" altLang="zh-TW" sz="3200" dirty="0"/>
-          </a:p>
-        </p:txBody>
-      </p:sp>
-    </p:spTree>
-    <p:extLst>
-      <p:ext uri="{BB962C8B-B14F-4D97-AF65-F5344CB8AC3E}">
-        <p14:creationId xmlns:p14="http://schemas.microsoft.com/office/powerpoint/2010/main" val="3721878827"/>
-      </p:ext>
-    </p:extLst>
-  </p:cSld>
-  <p:clrMapOvr>
-    <a:masterClrMapping/>
-  </p:clrMapOvr>
-</p:sld>
-</file>
-
-<file path=ppt/slides/slide4.xml><?xml version="1.0" encoding="utf-8"?>
-<p:sld xmlns:a="http://schemas.openxmlformats.org/drawingml/2006/main" xmlns:r="http://schemas.openxmlformats.org/officeDocument/2006/relationships" xmlns:p="http://schemas.openxmlformats.org/presentationml/2006/main">
-  <p:cSld>
-    <p:spTree>
-      <p:nvGrpSpPr>
-        <p:cNvPr id="1" name=""/>
-        <p:cNvGrpSpPr/>
-        <p:nvPr/>
-      </p:nvGrpSpPr>
-      <p:grpSpPr>
-        <a:xfrm>
-          <a:off x="0" y="0"/>
-          <a:ext cx="0" cy="0"/>
-          <a:chOff x="0" y="0"/>
-          <a:chExt cx="0" cy="0"/>
-        </a:xfrm>
-      </p:grpSpPr>
       <p:sp>
         <p:nvSpPr>
           <p:cNvPr id="2" name="文字方塊 1">
@@ -4124,6 +3963,14 @@
             <a:r>
               <a:rPr lang="en-US" altLang="zh-TW" sz="3200" dirty="0"/>
               <a:t>:Firebase</a:t>
+            </a:r>
+            <a:r>
+              <a:rPr lang="zh-TW" altLang="en-US" sz="3200" dirty="0"/>
+              <a:t>、</a:t>
+            </a:r>
+            <a:r>
+              <a:rPr lang="en-US" altLang="zh-TW" sz="3200" dirty="0"/>
+              <a:t>Bootstrap</a:t>
             </a:r>
           </a:p>
         </p:txBody>
@@ -4157,7 +4004,7 @@
         </p:blipFill>
         <p:spPr bwMode="auto">
           <a:xfrm>
-            <a:off x="4787317" y="2919582"/>
+            <a:off x="2480345" y="3070584"/>
             <a:ext cx="3810000" cy="2857500"/>
           </a:xfrm>
           <a:prstGeom prst="rect">
@@ -4175,10 +4022,219 @@
           </a:extLst>
         </p:spPr>
       </p:pic>
+      <p:pic>
+        <p:nvPicPr>
+          <p:cNvPr id="3" name="Picture 2" descr="「bootstrap」的圖片搜尋結果&quot;">
+            <a:extLst>
+              <a:ext uri="{FF2B5EF4-FFF2-40B4-BE49-F238E27FC236}">
+                <a16:creationId xmlns:a16="http://schemas.microsoft.com/office/drawing/2014/main" id="{DCDE1D48-3225-4676-8131-748F3DE01D10}"/>
+              </a:ext>
+            </a:extLst>
+          </p:cNvPr>
+          <p:cNvPicPr>
+            <a:picLocks noChangeAspect="1" noChangeArrowheads="1"/>
+          </p:cNvPicPr>
+          <p:nvPr/>
+        </p:nvPicPr>
+        <p:blipFill>
+          <a:blip r:embed="rId3">
+            <a:extLst>
+              <a:ext uri="{28A0092B-C50C-407E-A947-70E740481C1C}">
+                <a14:useLocalDpi xmlns:a14="http://schemas.microsoft.com/office/drawing/2010/main" val="0"/>
+              </a:ext>
+            </a:extLst>
+          </a:blip>
+          <a:srcRect/>
+          <a:stretch>
+            <a:fillRect/>
+          </a:stretch>
+        </p:blipFill>
+        <p:spPr bwMode="auto">
+          <a:xfrm>
+            <a:off x="7590901" y="3427771"/>
+            <a:ext cx="2143125" cy="2143125"/>
+          </a:xfrm>
+          <a:prstGeom prst="rect">
+            <a:avLst/>
+          </a:prstGeom>
+          <a:noFill/>
+          <a:extLst>
+            <a:ext uri="{909E8E84-426E-40DD-AFC4-6F175D3DCCD1}">
+              <a14:hiddenFill xmlns:a14="http://schemas.microsoft.com/office/drawing/2010/main">
+                <a:solidFill>
+                  <a:srgbClr val="FFFFFF"/>
+                </a:solidFill>
+              </a14:hiddenFill>
+            </a:ext>
+          </a:extLst>
+        </p:spPr>
+      </p:pic>
     </p:spTree>
     <p:extLst>
       <p:ext uri="{BB962C8B-B14F-4D97-AF65-F5344CB8AC3E}">
         <p14:creationId xmlns:p14="http://schemas.microsoft.com/office/powerpoint/2010/main" val="1349539075"/>
+      </p:ext>
+    </p:extLst>
+  </p:cSld>
+  <p:clrMapOvr>
+    <a:masterClrMapping/>
+  </p:clrMapOvr>
+</p:sld>
+</file>
+
+<file path=ppt/slides/slide4.xml><?xml version="1.0" encoding="utf-8"?>
+<p:sld xmlns:a="http://schemas.openxmlformats.org/drawingml/2006/main" xmlns:r="http://schemas.openxmlformats.org/officeDocument/2006/relationships" xmlns:p="http://schemas.openxmlformats.org/presentationml/2006/main">
+  <p:cSld>
+    <p:spTree>
+      <p:nvGrpSpPr>
+        <p:cNvPr id="1" name=""/>
+        <p:cNvGrpSpPr/>
+        <p:nvPr/>
+      </p:nvGrpSpPr>
+      <p:grpSpPr>
+        <a:xfrm>
+          <a:off x="0" y="0"/>
+          <a:ext cx="0" cy="0"/>
+          <a:chOff x="0" y="0"/>
+          <a:chExt cx="0" cy="0"/>
+        </a:xfrm>
+      </p:grpSpPr>
+      <p:pic>
+        <p:nvPicPr>
+          <p:cNvPr id="2" name="圖片 1">
+            <a:extLst>
+              <a:ext uri="{FF2B5EF4-FFF2-40B4-BE49-F238E27FC236}">
+                <a16:creationId xmlns:a16="http://schemas.microsoft.com/office/drawing/2014/main" id="{E26BEA37-8C4A-44F5-BDA9-733EB74C647E}"/>
+              </a:ext>
+            </a:extLst>
+          </p:cNvPr>
+          <p:cNvPicPr>
+            <a:picLocks noChangeAspect="1"/>
+          </p:cNvPicPr>
+          <p:nvPr/>
+        </p:nvPicPr>
+        <p:blipFill>
+          <a:blip r:embed="rId2"/>
+          <a:stretch>
+            <a:fillRect/>
+          </a:stretch>
+        </p:blipFill>
+        <p:spPr>
+          <a:xfrm>
+            <a:off x="520119" y="1873199"/>
+            <a:ext cx="4919676" cy="2767318"/>
+          </a:xfrm>
+          <a:prstGeom prst="rect">
+            <a:avLst/>
+          </a:prstGeom>
+        </p:spPr>
+      </p:pic>
+      <p:sp>
+        <p:nvSpPr>
+          <p:cNvPr id="3" name="文字方塊 2">
+            <a:extLst>
+              <a:ext uri="{FF2B5EF4-FFF2-40B4-BE49-F238E27FC236}">
+                <a16:creationId xmlns:a16="http://schemas.microsoft.com/office/drawing/2014/main" id="{AE539E2A-762C-4557-883D-FD4660E1BDB4}"/>
+              </a:ext>
+            </a:extLst>
+          </p:cNvPr>
+          <p:cNvSpPr txBox="1"/>
+          <p:nvPr/>
+        </p:nvSpPr>
+        <p:spPr>
+          <a:xfrm>
+            <a:off x="1433353" y="1097730"/>
+            <a:ext cx="3093208" cy="584775"/>
+          </a:xfrm>
+          <a:prstGeom prst="rect">
+            <a:avLst/>
+          </a:prstGeom>
+          <a:noFill/>
+        </p:spPr>
+        <p:txBody>
+          <a:bodyPr wrap="square" rtlCol="0">
+            <a:spAutoFit/>
+          </a:bodyPr>
+          <a:lstStyle/>
+          <a:p>
+            <a:r>
+              <a:rPr lang="zh-TW" altLang="en-US" sz="3200" dirty="0"/>
+              <a:t>以前的登入畫面</a:t>
+            </a:r>
+            <a:endParaRPr lang="en-US" altLang="zh-TW" sz="3200" dirty="0"/>
+          </a:p>
+        </p:txBody>
+      </p:sp>
+      <p:pic>
+        <p:nvPicPr>
+          <p:cNvPr id="4" name="圖片 3">
+            <a:extLst>
+              <a:ext uri="{FF2B5EF4-FFF2-40B4-BE49-F238E27FC236}">
+                <a16:creationId xmlns:a16="http://schemas.microsoft.com/office/drawing/2014/main" id="{440852F4-190B-42FE-9958-5C208A284FE0}"/>
+              </a:ext>
+            </a:extLst>
+          </p:cNvPr>
+          <p:cNvPicPr>
+            <a:picLocks noChangeAspect="1"/>
+          </p:cNvPicPr>
+          <p:nvPr/>
+        </p:nvPicPr>
+        <p:blipFill>
+          <a:blip r:embed="rId3"/>
+          <a:stretch>
+            <a:fillRect/>
+          </a:stretch>
+        </p:blipFill>
+        <p:spPr>
+          <a:xfrm>
+            <a:off x="6752207" y="1873199"/>
+            <a:ext cx="4919676" cy="2767318"/>
+          </a:xfrm>
+          <a:prstGeom prst="rect">
+            <a:avLst/>
+          </a:prstGeom>
+        </p:spPr>
+      </p:pic>
+      <p:sp>
+        <p:nvSpPr>
+          <p:cNvPr id="5" name="文字方塊 4">
+            <a:extLst>
+              <a:ext uri="{FF2B5EF4-FFF2-40B4-BE49-F238E27FC236}">
+                <a16:creationId xmlns:a16="http://schemas.microsoft.com/office/drawing/2014/main" id="{FE00CE1B-F75F-490E-97F3-A9639941B3F9}"/>
+              </a:ext>
+            </a:extLst>
+          </p:cNvPr>
+          <p:cNvSpPr txBox="1"/>
+          <p:nvPr/>
+        </p:nvSpPr>
+        <p:spPr>
+          <a:xfrm>
+            <a:off x="7995175" y="1097729"/>
+            <a:ext cx="2960846" cy="584775"/>
+          </a:xfrm>
+          <a:prstGeom prst="rect">
+            <a:avLst/>
+          </a:prstGeom>
+          <a:noFill/>
+        </p:spPr>
+        <p:txBody>
+          <a:bodyPr wrap="square" rtlCol="0">
+            <a:spAutoFit/>
+          </a:bodyPr>
+          <a:lstStyle/>
+          <a:p>
+            <a:r>
+              <a:rPr lang="zh-TW" altLang="en-US" sz="3200" dirty="0"/>
+              <a:t>以前的主畫面</a:t>
+            </a:r>
+            <a:endParaRPr lang="en-US" altLang="zh-TW" sz="3200" dirty="0"/>
+          </a:p>
+        </p:txBody>
+      </p:sp>
+    </p:spTree>
+    <p:extLst>
+      <p:ext uri="{BB962C8B-B14F-4D97-AF65-F5344CB8AC3E}">
+        <p14:creationId xmlns:p14="http://schemas.microsoft.com/office/powerpoint/2010/main" val="3721878827"/>
       </p:ext>
     </p:extLst>
   </p:cSld>
@@ -4205,6 +4261,186 @@
           <a:chExt cx="0" cy="0"/>
         </a:xfrm>
       </p:grpSpPr>
+      <p:pic>
+        <p:nvPicPr>
+          <p:cNvPr id="2" name="圖片 1">
+            <a:extLst>
+              <a:ext uri="{FF2B5EF4-FFF2-40B4-BE49-F238E27FC236}">
+                <a16:creationId xmlns:a16="http://schemas.microsoft.com/office/drawing/2014/main" id="{37A81281-769A-4796-9562-39C26CEC808E}"/>
+              </a:ext>
+            </a:extLst>
+          </p:cNvPr>
+          <p:cNvPicPr>
+            <a:picLocks noChangeAspect="1"/>
+          </p:cNvPicPr>
+          <p:nvPr/>
+        </p:nvPicPr>
+        <p:blipFill>
+          <a:blip r:embed="rId2"/>
+          <a:stretch>
+            <a:fillRect/>
+          </a:stretch>
+        </p:blipFill>
+        <p:spPr>
+          <a:xfrm>
+            <a:off x="796954" y="2304263"/>
+            <a:ext cx="4555895" cy="2249473"/>
+          </a:xfrm>
+          <a:prstGeom prst="rect">
+            <a:avLst/>
+          </a:prstGeom>
+        </p:spPr>
+      </p:pic>
+      <p:sp>
+        <p:nvSpPr>
+          <p:cNvPr id="3" name="文字方塊 2">
+            <a:extLst>
+              <a:ext uri="{FF2B5EF4-FFF2-40B4-BE49-F238E27FC236}">
+                <a16:creationId xmlns:a16="http://schemas.microsoft.com/office/drawing/2014/main" id="{B9414718-D29A-4E7E-B27F-290F3DDD95E5}"/>
+              </a:ext>
+            </a:extLst>
+          </p:cNvPr>
+          <p:cNvSpPr txBox="1"/>
+          <p:nvPr/>
+        </p:nvSpPr>
+        <p:spPr>
+          <a:xfrm>
+            <a:off x="591760" y="1476462"/>
+            <a:ext cx="4966282" cy="584775"/>
+          </a:xfrm>
+          <a:prstGeom prst="rect">
+            <a:avLst/>
+          </a:prstGeom>
+          <a:noFill/>
+        </p:spPr>
+        <p:txBody>
+          <a:bodyPr wrap="square" rtlCol="0">
+            <a:spAutoFit/>
+          </a:bodyPr>
+          <a:lstStyle/>
+          <a:p>
+            <a:r>
+              <a:rPr lang="zh-TW" altLang="en-US" sz="3200" dirty="0"/>
+              <a:t>使用</a:t>
+            </a:r>
+            <a:r>
+              <a:rPr lang="en-US" altLang="zh-TW" sz="3200" dirty="0">
+                <a:latin typeface="+mn-ea"/>
+              </a:rPr>
+              <a:t>Bootstrap</a:t>
+            </a:r>
+            <a:r>
+              <a:rPr lang="zh-TW" altLang="en-US" sz="3200" dirty="0"/>
+              <a:t>後的登入畫面</a:t>
+            </a:r>
+          </a:p>
+        </p:txBody>
+      </p:sp>
+      <p:pic>
+        <p:nvPicPr>
+          <p:cNvPr id="4" name="圖片 3">
+            <a:extLst>
+              <a:ext uri="{FF2B5EF4-FFF2-40B4-BE49-F238E27FC236}">
+                <a16:creationId xmlns:a16="http://schemas.microsoft.com/office/drawing/2014/main" id="{2524737D-7FE5-4FBB-B9CE-6C5B949E0B93}"/>
+              </a:ext>
+            </a:extLst>
+          </p:cNvPr>
+          <p:cNvPicPr>
+            <a:picLocks noChangeAspect="1"/>
+          </p:cNvPicPr>
+          <p:nvPr/>
+        </p:nvPicPr>
+        <p:blipFill>
+          <a:blip r:embed="rId3"/>
+          <a:stretch>
+            <a:fillRect/>
+          </a:stretch>
+        </p:blipFill>
+        <p:spPr>
+          <a:xfrm>
+            <a:off x="6702804" y="2304263"/>
+            <a:ext cx="4692242" cy="2333902"/>
+          </a:xfrm>
+          <a:prstGeom prst="rect">
+            <a:avLst/>
+          </a:prstGeom>
+        </p:spPr>
+      </p:pic>
+      <p:sp>
+        <p:nvSpPr>
+          <p:cNvPr id="5" name="文字方塊 4">
+            <a:extLst>
+              <a:ext uri="{FF2B5EF4-FFF2-40B4-BE49-F238E27FC236}">
+                <a16:creationId xmlns:a16="http://schemas.microsoft.com/office/drawing/2014/main" id="{8A9C9032-421D-4831-BBD3-D32DAEC8C274}"/>
+              </a:ext>
+            </a:extLst>
+          </p:cNvPr>
+          <p:cNvSpPr txBox="1"/>
+          <p:nvPr/>
+        </p:nvSpPr>
+        <p:spPr>
+          <a:xfrm>
+            <a:off x="6565784" y="1476461"/>
+            <a:ext cx="4966282" cy="584775"/>
+          </a:xfrm>
+          <a:prstGeom prst="rect">
+            <a:avLst/>
+          </a:prstGeom>
+          <a:noFill/>
+        </p:spPr>
+        <p:txBody>
+          <a:bodyPr wrap="square" rtlCol="0">
+            <a:spAutoFit/>
+          </a:bodyPr>
+          <a:lstStyle/>
+          <a:p>
+            <a:r>
+              <a:rPr lang="zh-TW" altLang="en-US" sz="3200" dirty="0"/>
+              <a:t>使用</a:t>
+            </a:r>
+            <a:r>
+              <a:rPr lang="en-US" altLang="zh-TW" sz="3200" dirty="0">
+                <a:latin typeface="+mn-ea"/>
+              </a:rPr>
+              <a:t>Bootstrap</a:t>
+            </a:r>
+            <a:r>
+              <a:rPr lang="zh-TW" altLang="en-US" sz="3200" dirty="0"/>
+              <a:t>後的主畫面</a:t>
+            </a:r>
+          </a:p>
+        </p:txBody>
+      </p:sp>
+    </p:spTree>
+    <p:extLst>
+      <p:ext uri="{BB962C8B-B14F-4D97-AF65-F5344CB8AC3E}">
+        <p14:creationId xmlns:p14="http://schemas.microsoft.com/office/powerpoint/2010/main" val="227585124"/>
+      </p:ext>
+    </p:extLst>
+  </p:cSld>
+  <p:clrMapOvr>
+    <a:masterClrMapping/>
+  </p:clrMapOvr>
+</p:sld>
+</file>
+
+<file path=ppt/slides/slide6.xml><?xml version="1.0" encoding="utf-8"?>
+<p:sld xmlns:a="http://schemas.openxmlformats.org/drawingml/2006/main" xmlns:r="http://schemas.openxmlformats.org/officeDocument/2006/relationships" xmlns:p="http://schemas.openxmlformats.org/presentationml/2006/main">
+  <p:cSld>
+    <p:spTree>
+      <p:nvGrpSpPr>
+        <p:cNvPr id="1" name=""/>
+        <p:cNvGrpSpPr/>
+        <p:nvPr/>
+      </p:nvGrpSpPr>
+      <p:grpSpPr>
+        <a:xfrm>
+          <a:off x="0" y="0"/>
+          <a:ext cx="0" cy="0"/>
+          <a:chOff x="0" y="0"/>
+          <a:chExt cx="0" cy="0"/>
+        </a:xfrm>
+      </p:grpSpPr>
       <p:sp>
         <p:nvSpPr>
           <p:cNvPr id="2" name="文字方塊 1">
@@ -4322,22 +4558,38 @@
           <a:p>
             <a:r>
               <a:rPr lang="en-US" altLang="zh-TW" sz="3200" dirty="0"/>
-              <a:t>	Coding:</a:t>
+              <a:t>	</a:t>
+            </a:r>
+            <a:r>
+              <a:rPr lang="zh-TW" altLang="en-US" sz="3200" dirty="0"/>
+              <a:t>前端</a:t>
+            </a:r>
+            <a:r>
+              <a:rPr lang="en-US" altLang="zh-TW" sz="3200" dirty="0"/>
+              <a:t>:</a:t>
+            </a:r>
+            <a:r>
+              <a:rPr lang="zh-TW" altLang="en-US" sz="3200" dirty="0"/>
+              <a:t> 彭心睿</a:t>
+            </a:r>
+            <a:endParaRPr lang="en-US" altLang="zh-TW" sz="3200" dirty="0"/>
+          </a:p>
+          <a:p>
+            <a:r>
+              <a:rPr lang="en-US" altLang="zh-TW" sz="3200" dirty="0"/>
+              <a:t>	</a:t>
+            </a:r>
+            <a:r>
+              <a:rPr lang="zh-TW" altLang="en-US" sz="3200" dirty="0"/>
+              <a:t>後端</a:t>
+            </a:r>
+            <a:r>
+              <a:rPr lang="en-US" altLang="zh-TW" sz="3200" dirty="0"/>
+              <a:t>:</a:t>
             </a:r>
             <a:r>
               <a:rPr lang="zh-TW" altLang="en-US" sz="3200" dirty="0"/>
               <a:t> 葉之宇</a:t>
-            </a:r>
-            <a:endParaRPr lang="en-US" altLang="zh-TW" sz="3200" dirty="0"/>
-          </a:p>
-          <a:p>
-            <a:r>
-              <a:rPr lang="en-US" altLang="zh-TW" sz="3200" dirty="0"/>
-              <a:t>	CSS:</a:t>
-            </a:r>
-            <a:r>
-              <a:rPr lang="zh-TW" altLang="en-US" sz="3200" dirty="0"/>
-              <a:t> 彭心睿</a:t>
             </a:r>
           </a:p>
         </p:txBody>
@@ -4355,7 +4607,7 @@
 </p:sld>
 </file>
 
-<file path=ppt/slides/slide6.xml><?xml version="1.0" encoding="utf-8"?>
+<file path=ppt/slides/slide7.xml><?xml version="1.0" encoding="utf-8"?>
 <p:sld xmlns:a="http://schemas.openxmlformats.org/drawingml/2006/main" xmlns:r="http://schemas.openxmlformats.org/officeDocument/2006/relationships" xmlns:p="http://schemas.openxmlformats.org/presentationml/2006/main">
   <p:cSld>
     <p:spTree>
